--- a/Audit 1/Life‘s Good.pptx
+++ b/Audit 1/Life‘s Good.pptx
@@ -4955,20 +4955,82 @@
             <p:ph type="title"/>
           </p:nvPr>
         </p:nvSpPr>
-        <p:spPr/>
-        <p:txBody>
-          <a:bodyPr/>
+        <p:spPr>
+          <a:xfrm>
+            <a:off x="990600" y="428625"/>
+            <a:ext cx="10315576" cy="1409700"/>
+          </a:xfrm>
+        </p:spPr>
+        <p:txBody>
+          <a:bodyPr>
+            <a:noAutofit/>
+          </a:bodyPr>
           <a:lstStyle/>
           <a:p>
             <a:r>
-              <a:rPr lang="de-DE" dirty="0"/>
-              <a:t>Spezifikation des ersten technischen architekturellen </a:t>
-            </a:r>
-            <a:r>
-              <a:rPr lang="de-DE" dirty="0" err="1"/>
+              <a:rPr lang="de-DE" sz="4000" b="0" i="0" dirty="0">
+                <a:solidFill>
+                  <a:srgbClr val="2E3C50"/>
+                </a:solidFill>
+                <a:effectLst/>
+              </a:rPr>
+              <a:t>Spezifikation des ersten technischen /architekturellen Proof-</a:t>
+            </a:r>
+            <a:r>
+              <a:rPr lang="de-DE" sz="4000" b="0" i="0" dirty="0" err="1">
+                <a:solidFill>
+                  <a:srgbClr val="2E3C50"/>
+                </a:solidFill>
+                <a:effectLst/>
+              </a:rPr>
+              <a:t>of</a:t>
+            </a:r>
+            <a:r>
+              <a:rPr lang="de-DE" sz="4000" b="0" i="0" dirty="0">
+                <a:solidFill>
+                  <a:srgbClr val="2E3C50"/>
+                </a:solidFill>
+                <a:effectLst/>
+              </a:rPr>
+              <a:t>-</a:t>
+            </a:r>
+            <a:r>
+              <a:rPr lang="de-DE" sz="4000" b="0" i="0" dirty="0" err="1">
+                <a:solidFill>
+                  <a:srgbClr val="2E3C50"/>
+                </a:solidFill>
+                <a:effectLst/>
+              </a:rPr>
+              <a:t>Concepts</a:t>
+            </a:r>
+            <a:r>
+              <a:rPr lang="de-DE" sz="4000" b="0" i="0" dirty="0">
+                <a:solidFill>
+                  <a:srgbClr val="2E3C50"/>
+                </a:solidFill>
+                <a:effectLst/>
+              </a:rPr>
+              <a:t> (</a:t>
+            </a:r>
+            <a:r>
+              <a:rPr lang="de-DE" sz="4000" b="0" i="0" dirty="0" err="1">
+                <a:solidFill>
+                  <a:srgbClr val="2E3C50"/>
+                </a:solidFill>
+                <a:effectLst/>
+              </a:rPr>
               <a:t>PoC</a:t>
             </a:r>
-            <a:endParaRPr lang="de-DE" dirty="0"/>
+            <a:r>
+              <a:rPr lang="de-DE" sz="4000" b="0" i="0" dirty="0">
+                <a:solidFill>
+                  <a:srgbClr val="2E3C50"/>
+                </a:solidFill>
+                <a:effectLst/>
+              </a:rPr>
+              <a:t>)</a:t>
+            </a:r>
+            <a:endParaRPr lang="de-DE" sz="4000" dirty="0"/>
           </a:p>
         </p:txBody>
       </p:sp>
@@ -5108,7 +5170,7 @@
           <a:p>
             <a:r>
               <a:rPr lang="de-DE" dirty="0"/>
-              <a:t>Kimberly </a:t>
+              <a:t>Präsentiert von Kimberly </a:t>
             </a:r>
             <a:r>
               <a:rPr lang="de-DE" dirty="0" err="1"/>
@@ -5556,13 +5618,32 @@
           <a:p>
             <a:r>
               <a:rPr lang="de-DE" dirty="0"/>
-              <a:t>9. Spezifikation des ersten technischen architekturellen </a:t>
+              <a:t>9. Spezifikation des ersten technischen/architekturellen Proof-</a:t>
+            </a:r>
+            <a:r>
+              <a:rPr lang="de-DE" dirty="0" err="1"/>
+              <a:t>of</a:t>
+            </a:r>
+            <a:r>
+              <a:rPr lang="de-DE" dirty="0"/>
+              <a:t>-</a:t>
+            </a:r>
+            <a:r>
+              <a:rPr lang="de-DE" dirty="0" err="1"/>
+              <a:t>Concepts</a:t>
+            </a:r>
+            <a:r>
+              <a:rPr lang="de-DE" dirty="0"/>
+              <a:t> (</a:t>
             </a:r>
             <a:r>
               <a:rPr lang="de-DE" dirty="0" err="1"/>
               <a:t>PoC</a:t>
             </a:r>
-            <a:endParaRPr lang="de-DE" dirty="0"/>
+            <a:r>
+              <a:rPr lang="de-DE" dirty="0"/>
+              <a:t>)</a:t>
+            </a:r>
           </a:p>
         </p:txBody>
       </p:sp>
